--- a/make_presentation/templates/templates/classic/_23.pptx
+++ b/make_presentation/templates/templates/classic/_23.pptx
@@ -314,7 +314,7 @@
             <a:pPr algn="r">
               <a:buNone/>
             </a:pPr>
-            <a:fld id="{942E936C-081E-4920-AE14-3AD0F66AC42A}" type="slidenum">
+            <a:fld id="{CCF4A2C8-FF7A-4353-AC81-E78BE968CB75}" type="slidenum">
               <a:rPr b="0" lang="en-US" sz="1400" spc="-1" strike="noStrike">
                 <a:latin typeface="Times New Roman"/>
               </a:rPr>
@@ -362,7 +362,7 @@
         <p:spPr>
           <a:xfrm>
             <a:off x="380880" y="685800"/>
-            <a:ext cx="6091920" cy="3425040"/>
+            <a:ext cx="6091560" cy="3424680"/>
           </a:xfrm>
           <a:prstGeom prst="rect">
             <a:avLst/>
@@ -385,7 +385,7 @@
         <p:spPr>
           <a:xfrm>
             <a:off x="685800" y="4343400"/>
-            <a:ext cx="5482440" cy="4110840"/>
+            <a:ext cx="5482080" cy="4110480"/>
           </a:xfrm>
           <a:prstGeom prst="rect">
             <a:avLst/>
@@ -419,7 +419,7 @@
         <p:spPr>
           <a:xfrm>
             <a:off x="3884760" y="8685360"/>
-            <a:ext cx="2967840" cy="453240"/>
+            <a:ext cx="2967480" cy="452880"/>
           </a:xfrm>
           <a:prstGeom prst="rect">
             <a:avLst/>
@@ -455,7 +455,7 @@
               </a:lnSpc>
               <a:buNone/>
             </a:pPr>
-            <a:fld id="{564194A4-0E98-4074-B62C-FED87BC64206}" type="slidenum">
+            <a:fld id="{5D520650-B29B-449D-9957-62D4CDB4E91C}" type="slidenum">
               <a:rPr b="0" lang="en-US" sz="1200" spc="-1" strike="noStrike">
                 <a:solidFill>
                   <a:srgbClr val="000000"/>
@@ -506,7 +506,7 @@
         <p:spPr>
           <a:xfrm>
             <a:off x="380880" y="685800"/>
-            <a:ext cx="6091920" cy="3425040"/>
+            <a:ext cx="6091560" cy="3424680"/>
           </a:xfrm>
           <a:prstGeom prst="rect">
             <a:avLst/>
@@ -529,7 +529,7 @@
         <p:spPr>
           <a:xfrm>
             <a:off x="685800" y="4343400"/>
-            <a:ext cx="5482440" cy="4110840"/>
+            <a:ext cx="5482080" cy="4110480"/>
           </a:xfrm>
           <a:prstGeom prst="rect">
             <a:avLst/>
@@ -563,7 +563,7 @@
         <p:spPr>
           <a:xfrm>
             <a:off x="3884760" y="8685360"/>
-            <a:ext cx="2967840" cy="453240"/>
+            <a:ext cx="2967480" cy="452880"/>
           </a:xfrm>
           <a:prstGeom prst="rect">
             <a:avLst/>
@@ -599,7 +599,7 @@
               </a:lnSpc>
               <a:buNone/>
             </a:pPr>
-            <a:fld id="{893D8DF0-415D-4A52-B579-AA50D52F8495}" type="slidenum">
+            <a:fld id="{5E1301F0-8761-4493-8F9E-2FBA4D6A1D2A}" type="slidenum">
               <a:rPr b="0" lang="en-US" sz="1200" spc="-1" strike="noStrike">
                 <a:solidFill>
                   <a:srgbClr val="000000"/>
@@ -650,7 +650,7 @@
         <p:spPr>
           <a:xfrm>
             <a:off x="380880" y="685800"/>
-            <a:ext cx="6091920" cy="3425040"/>
+            <a:ext cx="6091560" cy="3424680"/>
           </a:xfrm>
           <a:prstGeom prst="rect">
             <a:avLst/>
@@ -673,7 +673,7 @@
         <p:spPr>
           <a:xfrm>
             <a:off x="685800" y="4343400"/>
-            <a:ext cx="5482440" cy="4110840"/>
+            <a:ext cx="5482080" cy="4110480"/>
           </a:xfrm>
           <a:prstGeom prst="rect">
             <a:avLst/>
@@ -707,7 +707,7 @@
         <p:spPr>
           <a:xfrm>
             <a:off x="3884760" y="8685360"/>
-            <a:ext cx="2967840" cy="453240"/>
+            <a:ext cx="2967480" cy="452880"/>
           </a:xfrm>
           <a:prstGeom prst="rect">
             <a:avLst/>
@@ -743,7 +743,7 @@
               </a:lnSpc>
               <a:buNone/>
             </a:pPr>
-            <a:fld id="{859FD9CA-0465-488F-9104-6B0112BAB3FE}" type="slidenum">
+            <a:fld id="{61630FAF-98A2-42A0-B55B-F719C44B5D59}" type="slidenum">
               <a:rPr b="0" lang="en-US" sz="1200" spc="-1" strike="noStrike">
                 <a:solidFill>
                   <a:srgbClr val="000000"/>
@@ -794,7 +794,7 @@
         <p:spPr>
           <a:xfrm>
             <a:off x="380880" y="685800"/>
-            <a:ext cx="6091920" cy="3425040"/>
+            <a:ext cx="6091560" cy="3424680"/>
           </a:xfrm>
           <a:prstGeom prst="rect">
             <a:avLst/>
@@ -817,7 +817,7 @@
         <p:spPr>
           <a:xfrm>
             <a:off x="685800" y="4343400"/>
-            <a:ext cx="5482440" cy="4110840"/>
+            <a:ext cx="5482080" cy="4110480"/>
           </a:xfrm>
           <a:prstGeom prst="rect">
             <a:avLst/>
@@ -851,7 +851,7 @@
         <p:spPr>
           <a:xfrm>
             <a:off x="3884760" y="8685360"/>
-            <a:ext cx="2967840" cy="453240"/>
+            <a:ext cx="2967480" cy="452880"/>
           </a:xfrm>
           <a:prstGeom prst="rect">
             <a:avLst/>
@@ -887,7 +887,7 @@
               </a:lnSpc>
               <a:buNone/>
             </a:pPr>
-            <a:fld id="{3FF35BE7-B2EC-4CDE-9037-32BCB8A5ED8A}" type="slidenum">
+            <a:fld id="{8A7839C0-D89F-45CA-B6FD-13E7CF06BEE9}" type="slidenum">
               <a:rPr b="0" lang="en-US" sz="1200" spc="-1" strike="noStrike">
                 <a:solidFill>
                   <a:srgbClr val="000000"/>
@@ -938,7 +938,7 @@
         <p:spPr>
           <a:xfrm>
             <a:off x="380880" y="685800"/>
-            <a:ext cx="6091920" cy="3425040"/>
+            <a:ext cx="6091560" cy="3424680"/>
           </a:xfrm>
           <a:prstGeom prst="rect">
             <a:avLst/>
@@ -961,7 +961,7 @@
         <p:spPr>
           <a:xfrm>
             <a:off x="685800" y="4343400"/>
-            <a:ext cx="5482440" cy="4110840"/>
+            <a:ext cx="5482080" cy="4110480"/>
           </a:xfrm>
           <a:prstGeom prst="rect">
             <a:avLst/>
@@ -995,7 +995,7 @@
         <p:spPr>
           <a:xfrm>
             <a:off x="3884760" y="8685360"/>
-            <a:ext cx="2967840" cy="453240"/>
+            <a:ext cx="2967480" cy="452880"/>
           </a:xfrm>
           <a:prstGeom prst="rect">
             <a:avLst/>
@@ -1031,7 +1031,7 @@
               </a:lnSpc>
               <a:buNone/>
             </a:pPr>
-            <a:fld id="{077CD6DA-56A6-41AD-82B7-5565E11B88B5}" type="slidenum">
+            <a:fld id="{8755617C-DFC4-429A-B31D-C62552571974}" type="slidenum">
               <a:rPr b="0" lang="en-US" sz="1200" spc="-1" strike="noStrike">
                 <a:solidFill>
                   <a:srgbClr val="000000"/>
@@ -1082,7 +1082,7 @@
         <p:spPr>
           <a:xfrm>
             <a:off x="380880" y="685800"/>
-            <a:ext cx="6091920" cy="3425040"/>
+            <a:ext cx="6091560" cy="3424680"/>
           </a:xfrm>
           <a:prstGeom prst="rect">
             <a:avLst/>
@@ -1105,7 +1105,7 @@
         <p:spPr>
           <a:xfrm>
             <a:off x="685800" y="4343400"/>
-            <a:ext cx="5482440" cy="4110840"/>
+            <a:ext cx="5482080" cy="4110480"/>
           </a:xfrm>
           <a:prstGeom prst="rect">
             <a:avLst/>
@@ -1139,7 +1139,7 @@
         <p:spPr>
           <a:xfrm>
             <a:off x="3884760" y="8685360"/>
-            <a:ext cx="2967840" cy="453240"/>
+            <a:ext cx="2967480" cy="452880"/>
           </a:xfrm>
           <a:prstGeom prst="rect">
             <a:avLst/>
@@ -1175,7 +1175,7 @@
               </a:lnSpc>
               <a:buNone/>
             </a:pPr>
-            <a:fld id="{70EE9810-6A9F-41B8-B7CE-BC384722ED4E}" type="slidenum">
+            <a:fld id="{81D01C17-3BD0-44EE-A086-FA1D610D905A}" type="slidenum">
               <a:rPr b="0" lang="en-US" sz="1200" spc="-1" strike="noStrike">
                 <a:solidFill>
                   <a:srgbClr val="000000"/>
@@ -1226,7 +1226,7 @@
         <p:spPr>
           <a:xfrm>
             <a:off x="380880" y="685800"/>
-            <a:ext cx="6091920" cy="3425040"/>
+            <a:ext cx="6091560" cy="3424680"/>
           </a:xfrm>
           <a:prstGeom prst="rect">
             <a:avLst/>
@@ -1249,7 +1249,7 @@
         <p:spPr>
           <a:xfrm>
             <a:off x="685800" y="4343400"/>
-            <a:ext cx="5482440" cy="4110840"/>
+            <a:ext cx="5482080" cy="4110480"/>
           </a:xfrm>
           <a:prstGeom prst="rect">
             <a:avLst/>
@@ -1283,7 +1283,7 @@
         <p:spPr>
           <a:xfrm>
             <a:off x="3884760" y="8685360"/>
-            <a:ext cx="2967840" cy="453240"/>
+            <a:ext cx="2967480" cy="452880"/>
           </a:xfrm>
           <a:prstGeom prst="rect">
             <a:avLst/>
@@ -1319,7 +1319,7 @@
               </a:lnSpc>
               <a:buNone/>
             </a:pPr>
-            <a:fld id="{CBE89CFF-3714-47BC-B5D1-0FE6C2D6B155}" type="slidenum">
+            <a:fld id="{787A3F51-3E71-442A-9CFC-8DEB2EB9E271}" type="slidenum">
               <a:rPr b="0" lang="en-US" sz="1200" spc="-1" strike="noStrike">
                 <a:solidFill>
                   <a:srgbClr val="000000"/>
@@ -1370,7 +1370,7 @@
         <p:spPr>
           <a:xfrm>
             <a:off x="380880" y="685800"/>
-            <a:ext cx="6091920" cy="3425040"/>
+            <a:ext cx="6091560" cy="3424680"/>
           </a:xfrm>
           <a:prstGeom prst="rect">
             <a:avLst/>
@@ -1393,7 +1393,7 @@
         <p:spPr>
           <a:xfrm>
             <a:off x="685800" y="4343400"/>
-            <a:ext cx="5482440" cy="4110840"/>
+            <a:ext cx="5482080" cy="4110480"/>
           </a:xfrm>
           <a:prstGeom prst="rect">
             <a:avLst/>
@@ -1427,7 +1427,7 @@
         <p:spPr>
           <a:xfrm>
             <a:off x="3884760" y="8685360"/>
-            <a:ext cx="2967840" cy="453240"/>
+            <a:ext cx="2967480" cy="452880"/>
           </a:xfrm>
           <a:prstGeom prst="rect">
             <a:avLst/>
@@ -1463,7 +1463,7 @@
               </a:lnSpc>
               <a:buNone/>
             </a:pPr>
-            <a:fld id="{B0B79D37-8161-4FE1-84A1-54EA8CE13377}" type="slidenum">
+            <a:fld id="{872B7B75-936E-4676-AC79-B9A3DD8DBA58}" type="slidenum">
               <a:rPr b="0" lang="en-US" sz="1200" spc="-1" strike="noStrike">
                 <a:solidFill>
                   <a:srgbClr val="000000"/>
@@ -1514,7 +1514,7 @@
         <p:spPr>
           <a:xfrm>
             <a:off x="380880" y="685800"/>
-            <a:ext cx="6091920" cy="3425040"/>
+            <a:ext cx="6091560" cy="3424680"/>
           </a:xfrm>
           <a:prstGeom prst="rect">
             <a:avLst/>
@@ -1537,7 +1537,7 @@
         <p:spPr>
           <a:xfrm>
             <a:off x="685800" y="4343400"/>
-            <a:ext cx="5482440" cy="4110840"/>
+            <a:ext cx="5482080" cy="4110480"/>
           </a:xfrm>
           <a:prstGeom prst="rect">
             <a:avLst/>
@@ -1571,7 +1571,7 @@
         <p:spPr>
           <a:xfrm>
             <a:off x="3884760" y="8685360"/>
-            <a:ext cx="2967840" cy="453240"/>
+            <a:ext cx="2967480" cy="452880"/>
           </a:xfrm>
           <a:prstGeom prst="rect">
             <a:avLst/>
@@ -1607,7 +1607,7 @@
               </a:lnSpc>
               <a:buNone/>
             </a:pPr>
-            <a:fld id="{1BEDBC9B-E98A-47F6-9B77-CE41152A973F}" type="slidenum">
+            <a:fld id="{06F899A1-3972-45A5-BA7D-0BAE8C204667}" type="slidenum">
               <a:rPr b="0" lang="en-US" sz="1200" spc="-1" strike="noStrike">
                 <a:solidFill>
                   <a:srgbClr val="000000"/>
@@ -1658,7 +1658,7 @@
         <p:spPr>
           <a:xfrm>
             <a:off x="380880" y="685800"/>
-            <a:ext cx="6091920" cy="3425040"/>
+            <a:ext cx="6091560" cy="3424680"/>
           </a:xfrm>
           <a:prstGeom prst="rect">
             <a:avLst/>
@@ -1681,7 +1681,7 @@
         <p:spPr>
           <a:xfrm>
             <a:off x="685800" y="4343400"/>
-            <a:ext cx="5482440" cy="4110840"/>
+            <a:ext cx="5482080" cy="4110480"/>
           </a:xfrm>
           <a:prstGeom prst="rect">
             <a:avLst/>
@@ -1715,7 +1715,7 @@
         <p:spPr>
           <a:xfrm>
             <a:off x="3884760" y="8685360"/>
-            <a:ext cx="2967840" cy="453240"/>
+            <a:ext cx="2967480" cy="452880"/>
           </a:xfrm>
           <a:prstGeom prst="rect">
             <a:avLst/>
@@ -1751,7 +1751,7 @@
               </a:lnSpc>
               <a:buNone/>
             </a:pPr>
-            <a:fld id="{150FFCA8-CAA3-41AF-845F-DD00EECDEA0C}" type="slidenum">
+            <a:fld id="{9FAD4A7D-1329-4129-B18D-17AC32CBE29E}" type="slidenum">
               <a:rPr b="0" lang="en-US" sz="1200" spc="-1" strike="noStrike">
                 <a:solidFill>
                   <a:srgbClr val="000000"/>
@@ -1802,7 +1802,7 @@
         <p:spPr>
           <a:xfrm>
             <a:off x="380880" y="685800"/>
-            <a:ext cx="6091920" cy="3425040"/>
+            <a:ext cx="6091560" cy="3424680"/>
           </a:xfrm>
           <a:prstGeom prst="rect">
             <a:avLst/>
@@ -1825,7 +1825,7 @@
         <p:spPr>
           <a:xfrm>
             <a:off x="685800" y="4343400"/>
-            <a:ext cx="5482440" cy="4110840"/>
+            <a:ext cx="5482080" cy="4110480"/>
           </a:xfrm>
           <a:prstGeom prst="rect">
             <a:avLst/>
@@ -1859,7 +1859,7 @@
         <p:spPr>
           <a:xfrm>
             <a:off x="3884760" y="8685360"/>
-            <a:ext cx="2967840" cy="453240"/>
+            <a:ext cx="2967480" cy="452880"/>
           </a:xfrm>
           <a:prstGeom prst="rect">
             <a:avLst/>
@@ -1895,7 +1895,7 @@
               </a:lnSpc>
               <a:buNone/>
             </a:pPr>
-            <a:fld id="{076D7B88-4814-4FDB-A4B7-CB28BBF67FE3}" type="slidenum">
+            <a:fld id="{CC236A19-CB5E-41AC-9739-676ED5E1703D}" type="slidenum">
               <a:rPr b="0" lang="en-US" sz="1200" spc="-1" strike="noStrike">
                 <a:solidFill>
                   <a:srgbClr val="000000"/>
@@ -1946,7 +1946,7 @@
         <p:spPr>
           <a:xfrm>
             <a:off x="380880" y="685800"/>
-            <a:ext cx="6091920" cy="3425040"/>
+            <a:ext cx="6091560" cy="3424680"/>
           </a:xfrm>
           <a:prstGeom prst="rect">
             <a:avLst/>
@@ -1969,7 +1969,7 @@
         <p:spPr>
           <a:xfrm>
             <a:off x="685800" y="4343400"/>
-            <a:ext cx="5482440" cy="4110840"/>
+            <a:ext cx="5482080" cy="4110480"/>
           </a:xfrm>
           <a:prstGeom prst="rect">
             <a:avLst/>
@@ -2003,7 +2003,7 @@
         <p:spPr>
           <a:xfrm>
             <a:off x="3884760" y="8685360"/>
-            <a:ext cx="2967840" cy="453240"/>
+            <a:ext cx="2967480" cy="452880"/>
           </a:xfrm>
           <a:prstGeom prst="rect">
             <a:avLst/>
@@ -2039,7 +2039,7 @@
               </a:lnSpc>
               <a:buNone/>
             </a:pPr>
-            <a:fld id="{4A64C913-A036-4399-B419-2B4FBB5C704D}" type="slidenum">
+            <a:fld id="{9D3FA158-5C94-4494-AB55-E5BDB5EB8308}" type="slidenum">
               <a:rPr b="0" lang="en-US" sz="1200" spc="-1" strike="noStrike">
                 <a:solidFill>
                   <a:srgbClr val="000000"/>
@@ -2090,7 +2090,7 @@
         <p:spPr>
           <a:xfrm>
             <a:off x="380880" y="685800"/>
-            <a:ext cx="6091920" cy="3425040"/>
+            <a:ext cx="6091560" cy="3424680"/>
           </a:xfrm>
           <a:prstGeom prst="rect">
             <a:avLst/>
@@ -2113,7 +2113,7 @@
         <p:spPr>
           <a:xfrm>
             <a:off x="685800" y="4343400"/>
-            <a:ext cx="5482440" cy="4110840"/>
+            <a:ext cx="5482080" cy="4110480"/>
           </a:xfrm>
           <a:prstGeom prst="rect">
             <a:avLst/>
@@ -2147,7 +2147,7 @@
         <p:spPr>
           <a:xfrm>
             <a:off x="3884760" y="8685360"/>
-            <a:ext cx="2967840" cy="453240"/>
+            <a:ext cx="2967480" cy="452880"/>
           </a:xfrm>
           <a:prstGeom prst="rect">
             <a:avLst/>
@@ -2183,7 +2183,7 @@
               </a:lnSpc>
               <a:buNone/>
             </a:pPr>
-            <a:fld id="{4D3826DF-047B-48B0-9F2C-44B857FABECF}" type="slidenum">
+            <a:fld id="{85E4A4A5-6C77-406F-B33D-89F3FAB90734}" type="slidenum">
               <a:rPr b="0" lang="en-US" sz="1200" spc="-1" strike="noStrike">
                 <a:solidFill>
                   <a:srgbClr val="000000"/>
@@ -2234,7 +2234,7 @@
         <p:spPr>
           <a:xfrm>
             <a:off x="380880" y="685800"/>
-            <a:ext cx="6091920" cy="3425040"/>
+            <a:ext cx="6091560" cy="3424680"/>
           </a:xfrm>
           <a:prstGeom prst="rect">
             <a:avLst/>
@@ -2257,7 +2257,7 @@
         <p:spPr>
           <a:xfrm>
             <a:off x="685800" y="4343400"/>
-            <a:ext cx="5482440" cy="4110840"/>
+            <a:ext cx="5482080" cy="4110480"/>
           </a:xfrm>
           <a:prstGeom prst="rect">
             <a:avLst/>
@@ -2291,7 +2291,7 @@
         <p:spPr>
           <a:xfrm>
             <a:off x="3884760" y="8685360"/>
-            <a:ext cx="2967840" cy="453240"/>
+            <a:ext cx="2967480" cy="452880"/>
           </a:xfrm>
           <a:prstGeom prst="rect">
             <a:avLst/>
@@ -2327,7 +2327,7 @@
               </a:lnSpc>
               <a:buNone/>
             </a:pPr>
-            <a:fld id="{FC1EB323-EBD7-46F6-8A2D-6A79ABB898A8}" type="slidenum">
+            <a:fld id="{F6E87514-6970-43E5-AC31-FEDB8BA6EF0A}" type="slidenum">
               <a:rPr b="0" lang="en-US" sz="1200" spc="-1" strike="noStrike">
                 <a:solidFill>
                   <a:srgbClr val="000000"/>
@@ -2378,7 +2378,7 @@
         <p:spPr>
           <a:xfrm>
             <a:off x="380880" y="685800"/>
-            <a:ext cx="6091920" cy="3425040"/>
+            <a:ext cx="6091560" cy="3424680"/>
           </a:xfrm>
           <a:prstGeom prst="rect">
             <a:avLst/>
@@ -2401,7 +2401,7 @@
         <p:spPr>
           <a:xfrm>
             <a:off x="685800" y="4343400"/>
-            <a:ext cx="5482440" cy="4110840"/>
+            <a:ext cx="5482080" cy="4110480"/>
           </a:xfrm>
           <a:prstGeom prst="rect">
             <a:avLst/>
@@ -2435,7 +2435,7 @@
         <p:spPr>
           <a:xfrm>
             <a:off x="3884760" y="8685360"/>
-            <a:ext cx="2967840" cy="453240"/>
+            <a:ext cx="2967480" cy="452880"/>
           </a:xfrm>
           <a:prstGeom prst="rect">
             <a:avLst/>
@@ -2471,7 +2471,7 @@
               </a:lnSpc>
               <a:buNone/>
             </a:pPr>
-            <a:fld id="{FD44001E-4658-421C-A431-32F63DD50FFE}" type="slidenum">
+            <a:fld id="{4694E412-B0BC-40E4-80A6-7C6730BE8F9D}" type="slidenum">
               <a:rPr b="0" lang="en-US" sz="1200" spc="-1" strike="noStrike">
                 <a:solidFill>
                   <a:srgbClr val="000000"/>
@@ -2522,7 +2522,7 @@
         <p:spPr>
           <a:xfrm>
             <a:off x="380880" y="685800"/>
-            <a:ext cx="6091920" cy="3425040"/>
+            <a:ext cx="6091560" cy="3424680"/>
           </a:xfrm>
           <a:prstGeom prst="rect">
             <a:avLst/>
@@ -2545,7 +2545,7 @@
         <p:spPr>
           <a:xfrm>
             <a:off x="685800" y="4343400"/>
-            <a:ext cx="5482440" cy="4110840"/>
+            <a:ext cx="5482080" cy="4110480"/>
           </a:xfrm>
           <a:prstGeom prst="rect">
             <a:avLst/>
@@ -2579,7 +2579,7 @@
         <p:spPr>
           <a:xfrm>
             <a:off x="3884760" y="8685360"/>
-            <a:ext cx="2967840" cy="453240"/>
+            <a:ext cx="2967480" cy="452880"/>
           </a:xfrm>
           <a:prstGeom prst="rect">
             <a:avLst/>
@@ -2615,7 +2615,7 @@
               </a:lnSpc>
               <a:buNone/>
             </a:pPr>
-            <a:fld id="{2B063EA8-68CB-4CF7-998C-07F754D50B20}" type="slidenum">
+            <a:fld id="{1E70ECD5-29DD-4424-A8F6-9F12D6C657EA}" type="slidenum">
               <a:rPr b="0" lang="en-US" sz="1200" spc="-1" strike="noStrike">
                 <a:solidFill>
                   <a:srgbClr val="000000"/>
@@ -2666,7 +2666,7 @@
         <p:spPr>
           <a:xfrm>
             <a:off x="380880" y="685800"/>
-            <a:ext cx="6091920" cy="3425040"/>
+            <a:ext cx="6091560" cy="3424680"/>
           </a:xfrm>
           <a:prstGeom prst="rect">
             <a:avLst/>
@@ -2689,7 +2689,7 @@
         <p:spPr>
           <a:xfrm>
             <a:off x="685800" y="4343400"/>
-            <a:ext cx="5482440" cy="4110840"/>
+            <a:ext cx="5482080" cy="4110480"/>
           </a:xfrm>
           <a:prstGeom prst="rect">
             <a:avLst/>
@@ -2723,7 +2723,7 @@
         <p:spPr>
           <a:xfrm>
             <a:off x="3884760" y="8685360"/>
-            <a:ext cx="2967840" cy="453240"/>
+            <a:ext cx="2967480" cy="452880"/>
           </a:xfrm>
           <a:prstGeom prst="rect">
             <a:avLst/>
@@ -2759,7 +2759,7 @@
               </a:lnSpc>
               <a:buNone/>
             </a:pPr>
-            <a:fld id="{D54C944E-4A61-4F5E-AFE4-4FB335860313}" type="slidenum">
+            <a:fld id="{50EAF6DA-48DA-486A-A030-22399C1C2ED9}" type="slidenum">
               <a:rPr b="0" lang="en-US" sz="1200" spc="-1" strike="noStrike">
                 <a:solidFill>
                   <a:srgbClr val="000000"/>
@@ -2810,7 +2810,7 @@
         <p:spPr>
           <a:xfrm>
             <a:off x="380880" y="685800"/>
-            <a:ext cx="6091920" cy="3425040"/>
+            <a:ext cx="6091560" cy="3424680"/>
           </a:xfrm>
           <a:prstGeom prst="rect">
             <a:avLst/>
@@ -2833,7 +2833,7 @@
         <p:spPr>
           <a:xfrm>
             <a:off x="685800" y="4343400"/>
-            <a:ext cx="5482440" cy="4110840"/>
+            <a:ext cx="5482080" cy="4110480"/>
           </a:xfrm>
           <a:prstGeom prst="rect">
             <a:avLst/>
@@ -2867,7 +2867,7 @@
         <p:spPr>
           <a:xfrm>
             <a:off x="3884760" y="8685360"/>
-            <a:ext cx="2967840" cy="453240"/>
+            <a:ext cx="2967480" cy="452880"/>
           </a:xfrm>
           <a:prstGeom prst="rect">
             <a:avLst/>
@@ -2903,7 +2903,7 @@
               </a:lnSpc>
               <a:buNone/>
             </a:pPr>
-            <a:fld id="{6EE10C1B-117D-4CC1-A9A4-23A2D5E0E6D5}" type="slidenum">
+            <a:fld id="{B2B730C3-C22B-48B1-BFD9-C57C8316B3E3}" type="slidenum">
               <a:rPr b="0" lang="en-US" sz="1200" spc="-1" strike="noStrike">
                 <a:solidFill>
                   <a:srgbClr val="000000"/>
@@ -2954,7 +2954,7 @@
         <p:spPr>
           <a:xfrm>
             <a:off x="380880" y="685800"/>
-            <a:ext cx="6091920" cy="3425040"/>
+            <a:ext cx="6091560" cy="3424680"/>
           </a:xfrm>
           <a:prstGeom prst="rect">
             <a:avLst/>
@@ -2977,7 +2977,7 @@
         <p:spPr>
           <a:xfrm>
             <a:off x="685800" y="4343400"/>
-            <a:ext cx="5482440" cy="4110840"/>
+            <a:ext cx="5482080" cy="4110480"/>
           </a:xfrm>
           <a:prstGeom prst="rect">
             <a:avLst/>
@@ -3011,7 +3011,7 @@
         <p:spPr>
           <a:xfrm>
             <a:off x="3884760" y="8685360"/>
-            <a:ext cx="2967840" cy="453240"/>
+            <a:ext cx="2967480" cy="452880"/>
           </a:xfrm>
           <a:prstGeom prst="rect">
             <a:avLst/>
@@ -3047,7 +3047,7 @@
               </a:lnSpc>
               <a:buNone/>
             </a:pPr>
-            <a:fld id="{3B6C54A5-0D05-4041-8858-7391518335A5}" type="slidenum">
+            <a:fld id="{0E523DA8-89CA-42F3-ABF7-138F07D2B8EE}" type="slidenum">
               <a:rPr b="0" lang="en-US" sz="1200" spc="-1" strike="noStrike">
                 <a:solidFill>
                   <a:srgbClr val="000000"/>
@@ -3098,7 +3098,7 @@
         <p:spPr>
           <a:xfrm>
             <a:off x="380880" y="685800"/>
-            <a:ext cx="6091920" cy="3425040"/>
+            <a:ext cx="6091560" cy="3424680"/>
           </a:xfrm>
           <a:prstGeom prst="rect">
             <a:avLst/>
@@ -3121,7 +3121,7 @@
         <p:spPr>
           <a:xfrm>
             <a:off x="685800" y="4343400"/>
-            <a:ext cx="5482440" cy="4110840"/>
+            <a:ext cx="5482080" cy="4110480"/>
           </a:xfrm>
           <a:prstGeom prst="rect">
             <a:avLst/>
@@ -3155,7 +3155,7 @@
         <p:spPr>
           <a:xfrm>
             <a:off x="3884760" y="8685360"/>
-            <a:ext cx="2967840" cy="453240"/>
+            <a:ext cx="2967480" cy="452880"/>
           </a:xfrm>
           <a:prstGeom prst="rect">
             <a:avLst/>
@@ -3191,7 +3191,7 @@
               </a:lnSpc>
               <a:buNone/>
             </a:pPr>
-            <a:fld id="{D1775FEA-BF67-4AF1-8432-EF0131C3A2AA}" type="slidenum">
+            <a:fld id="{2E824865-20DB-4215-A6B6-CEA8B3806DEE}" type="slidenum">
               <a:rPr b="0" lang="en-US" sz="1200" spc="-1" strike="noStrike">
                 <a:solidFill>
                   <a:srgbClr val="000000"/>
@@ -3242,7 +3242,7 @@
         <p:spPr>
           <a:xfrm>
             <a:off x="380880" y="685800"/>
-            <a:ext cx="6091920" cy="3425040"/>
+            <a:ext cx="6091560" cy="3424680"/>
           </a:xfrm>
           <a:prstGeom prst="rect">
             <a:avLst/>
@@ -3265,7 +3265,7 @@
         <p:spPr>
           <a:xfrm>
             <a:off x="685800" y="4343400"/>
-            <a:ext cx="5482440" cy="4110840"/>
+            <a:ext cx="5482080" cy="4110480"/>
           </a:xfrm>
           <a:prstGeom prst="rect">
             <a:avLst/>
@@ -3299,7 +3299,7 @@
         <p:spPr>
           <a:xfrm>
             <a:off x="3884760" y="8685360"/>
-            <a:ext cx="2967840" cy="453240"/>
+            <a:ext cx="2967480" cy="452880"/>
           </a:xfrm>
           <a:prstGeom prst="rect">
             <a:avLst/>
@@ -3335,7 +3335,7 @@
               </a:lnSpc>
               <a:buNone/>
             </a:pPr>
-            <a:fld id="{8028DBB2-EC89-48E2-9A74-765D669C7D06}" type="slidenum">
+            <a:fld id="{ECA02A33-152A-4766-97FA-F9577E13A192}" type="slidenum">
               <a:rPr b="0" lang="en-US" sz="1200" spc="-1" strike="noStrike">
                 <a:solidFill>
                   <a:srgbClr val="000000"/>
@@ -3386,7 +3386,7 @@
         <p:spPr>
           <a:xfrm>
             <a:off x="380880" y="685800"/>
-            <a:ext cx="6091920" cy="3425040"/>
+            <a:ext cx="6091560" cy="3424680"/>
           </a:xfrm>
           <a:prstGeom prst="rect">
             <a:avLst/>
@@ -3409,7 +3409,7 @@
         <p:spPr>
           <a:xfrm>
             <a:off x="685800" y="4343400"/>
-            <a:ext cx="5482440" cy="4110840"/>
+            <a:ext cx="5482080" cy="4110480"/>
           </a:xfrm>
           <a:prstGeom prst="rect">
             <a:avLst/>
@@ -3443,7 +3443,7 @@
         <p:spPr>
           <a:xfrm>
             <a:off x="3884760" y="8685360"/>
-            <a:ext cx="2967840" cy="453240"/>
+            <a:ext cx="2967480" cy="452880"/>
           </a:xfrm>
           <a:prstGeom prst="rect">
             <a:avLst/>
@@ -3479,7 +3479,7 @@
               </a:lnSpc>
               <a:buNone/>
             </a:pPr>
-            <a:fld id="{CF9B65D0-626B-486C-8A54-FBB54019291F}" type="slidenum">
+            <a:fld id="{0D90756D-5F72-488B-9FD8-4DAB392B14A0}" type="slidenum">
               <a:rPr b="0" lang="en-US" sz="1200" spc="-1" strike="noStrike">
                 <a:solidFill>
                   <a:srgbClr val="000000"/>
@@ -3530,7 +3530,7 @@
         <p:spPr>
           <a:xfrm>
             <a:off x="380880" y="685800"/>
-            <a:ext cx="6091920" cy="3425040"/>
+            <a:ext cx="6091560" cy="3424680"/>
           </a:xfrm>
           <a:prstGeom prst="rect">
             <a:avLst/>
@@ -3553,7 +3553,7 @@
         <p:spPr>
           <a:xfrm>
             <a:off x="685800" y="4343400"/>
-            <a:ext cx="5482440" cy="4110840"/>
+            <a:ext cx="5482080" cy="4110480"/>
           </a:xfrm>
           <a:prstGeom prst="rect">
             <a:avLst/>
@@ -3587,7 +3587,7 @@
         <p:spPr>
           <a:xfrm>
             <a:off x="3884760" y="8685360"/>
-            <a:ext cx="2967840" cy="453240"/>
+            <a:ext cx="2967480" cy="452880"/>
           </a:xfrm>
           <a:prstGeom prst="rect">
             <a:avLst/>
@@ -3623,7 +3623,7 @@
               </a:lnSpc>
               <a:buNone/>
             </a:pPr>
-            <a:fld id="{2B40DDC9-0FB1-46BA-897F-3B5DD2D77A8B}" type="slidenum">
+            <a:fld id="{11300AF0-CF64-452D-B045-78316121E938}" type="slidenum">
               <a:rPr b="0" lang="en-US" sz="1200" spc="-1" strike="noStrike">
                 <a:solidFill>
                   <a:srgbClr val="000000"/>
@@ -3695,7 +3695,7 @@
         <p:txBody>
           <a:bodyPr/>
           <a:p>
-            <a:fld id="{74C54FFB-C8A1-4227-AF5A-D8F7276CB371}" type="slidenum">
+            <a:fld id="{4D9E0413-525B-4638-B20D-365A698CC056}" type="slidenum">
               <a:t>&lt;#&gt;</a:t>
             </a:fld>
           </a:p>
@@ -3883,7 +3883,7 @@
         <p:txBody>
           <a:bodyPr/>
           <a:p>
-            <a:fld id="{EEE79707-D145-45C6-BD7A-1F5E94F29227}" type="slidenum">
+            <a:fld id="{42E94564-3484-492D-8E0C-071FA25E0F7A}" type="slidenum">
               <a:t>&lt;#&gt;</a:t>
             </a:fld>
           </a:p>
@@ -4139,7 +4139,7 @@
         <p:txBody>
           <a:bodyPr/>
           <a:p>
-            <a:fld id="{B6D78F31-07D2-4F50-8414-C1FC5AA67B21}" type="slidenum">
+            <a:fld id="{9A744726-9F11-41EE-A8B4-4B0136216DB0}" type="slidenum">
               <a:t>&lt;#&gt;</a:t>
             </a:fld>
           </a:p>
@@ -4463,7 +4463,7 @@
         <p:txBody>
           <a:bodyPr/>
           <a:p>
-            <a:fld id="{D4B01BFB-7DFC-4C5B-A4B1-DD98ABDF602E}" type="slidenum">
+            <a:fld id="{DC9ED332-3E6F-41E2-BB36-C9EC771B6F28}" type="slidenum">
               <a:t>&lt;#&gt;</a:t>
             </a:fld>
           </a:p>
@@ -4620,7 +4620,7 @@
         <p:txBody>
           <a:bodyPr/>
           <a:p>
-            <a:fld id="{EB158C47-65A6-4F69-B98F-170A464E91E3}" type="slidenum">
+            <a:fld id="{192DF6F4-772A-4C02-B2BB-BA225B69A691}" type="slidenum">
               <a:t>&lt;#&gt;</a:t>
             </a:fld>
           </a:p>
@@ -4774,7 +4774,7 @@
         <p:txBody>
           <a:bodyPr/>
           <a:p>
-            <a:fld id="{733B8C34-3652-4A65-9A73-9EF62E4AE39C}" type="slidenum">
+            <a:fld id="{6E342022-C9F0-4448-A2B7-57C5DEE54943}" type="slidenum">
               <a:t>&lt;#&gt;</a:t>
             </a:fld>
           </a:p>
@@ -4962,7 +4962,7 @@
         <p:txBody>
           <a:bodyPr/>
           <a:p>
-            <a:fld id="{D44921C5-BD04-404A-A886-4EB329652E74}" type="slidenum">
+            <a:fld id="{BF8889D6-57B7-47DD-8FA8-D4AEFF4B4451}" type="slidenum">
               <a:t>&lt;#&gt;</a:t>
             </a:fld>
           </a:p>
@@ -5082,7 +5082,7 @@
         <p:txBody>
           <a:bodyPr/>
           <a:p>
-            <a:fld id="{8E0C6E83-7C54-4709-BCCC-D0BC3455A57E}" type="slidenum">
+            <a:fld id="{EE5D67E1-8AB1-4EF9-B4CF-4F965E7861E8}" type="slidenum">
               <a:t>&lt;#&gt;</a:t>
             </a:fld>
           </a:p>
@@ -5202,7 +5202,7 @@
         <p:txBody>
           <a:bodyPr/>
           <a:p>
-            <a:fld id="{1EC6A866-6674-4EC7-B5AE-AD0D5F613F00}" type="slidenum">
+            <a:fld id="{29684E7F-B45F-4DA3-A6C7-D4A32067C51B}" type="slidenum">
               <a:t>&lt;#&gt;</a:t>
             </a:fld>
           </a:p>
@@ -5424,7 +5424,7 @@
         <p:txBody>
           <a:bodyPr/>
           <a:p>
-            <a:fld id="{38D0D70B-41BB-439C-9155-5AA5C5BB1A35}" type="slidenum">
+            <a:fld id="{6047A0F4-57D6-4A80-847F-81D6612D793F}" type="slidenum">
               <a:t>&lt;#&gt;</a:t>
             </a:fld>
           </a:p>
@@ -5646,7 +5646,7 @@
         <p:txBody>
           <a:bodyPr/>
           <a:p>
-            <a:fld id="{5FE6A345-7BBB-4F7D-BD54-FB558DC48678}" type="slidenum">
+            <a:fld id="{B9FB589B-9273-4743-8348-806CE922DF73}" type="slidenum">
               <a:t>&lt;#&gt;</a:t>
             </a:fld>
           </a:p>
@@ -5868,7 +5868,7 @@
         <p:txBody>
           <a:bodyPr/>
           <a:p>
-            <a:fld id="{1F5327F6-B26A-4B85-B461-F455347E12D1}" type="slidenum">
+            <a:fld id="{95B7FF2C-4C96-410C-9FF2-9A304CE95574}" type="slidenum">
               <a:t>&lt;#&gt;</a:t>
             </a:fld>
           </a:p>
@@ -5937,7 +5937,7 @@
         <p:spPr>
           <a:xfrm>
             <a:off x="3028680" y="4771440"/>
-            <a:ext cx="3082680" cy="270720"/>
+            <a:ext cx="3082320" cy="270360"/>
           </a:xfrm>
           <a:prstGeom prst="rect">
             <a:avLst/>
@@ -6002,7 +6002,7 @@
         <p:spPr>
           <a:xfrm>
             <a:off x="6457680" y="4771440"/>
-            <a:ext cx="2054160" cy="270720"/>
+            <a:ext cx="2053800" cy="270360"/>
           </a:xfrm>
           <a:prstGeom prst="rect">
             <a:avLst/>
@@ -6038,7 +6038,7 @@
               </a:lnSpc>
               <a:buNone/>
             </a:pPr>
-            <a:fld id="{453EB597-4DDC-4E6A-BF37-3F095445CE09}" type="slidenum">
+            <a:fld id="{FDADA4BF-A7FE-41EA-921A-716F72CD8E9A}" type="slidenum">
               <a:rPr b="0" lang="en-US" sz="1200" spc="-1" strike="noStrike">
                 <a:solidFill>
                   <a:srgbClr val="8b8b8b"/>
@@ -6067,7 +6067,7 @@
         <p:spPr>
           <a:xfrm>
             <a:off x="628200" y="4771440"/>
-            <a:ext cx="2054160" cy="270720"/>
+            <a:ext cx="2053800" cy="270360"/>
           </a:xfrm>
           <a:prstGeom prst="rect">
             <a:avLst/>
@@ -6379,8 +6379,8 @@
         </p:nvSpPr>
         <p:spPr>
           <a:xfrm rot="2744400">
-            <a:off x="-281520" y="-25920"/>
-            <a:ext cx="704880" cy="704520"/>
+            <a:off x="-281160" y="-25920"/>
+            <a:ext cx="704520" cy="704160"/>
           </a:xfrm>
           <a:prstGeom prst="roundRect">
             <a:avLst>
@@ -6418,7 +6418,7 @@
         <p:spPr>
           <a:xfrm rot="2625600">
             <a:off x="6024960" y="4332960"/>
-            <a:ext cx="468720" cy="468720"/>
+            <a:ext cx="468360" cy="468360"/>
           </a:xfrm>
           <a:prstGeom prst="roundRect">
             <a:avLst>
@@ -6455,8 +6455,8 @@
         </p:nvSpPr>
         <p:spPr>
           <a:xfrm rot="18679200">
-            <a:off x="7004160" y="948600"/>
-            <a:ext cx="4940280" cy="4666680"/>
+            <a:off x="7003800" y="948600"/>
+            <a:ext cx="4939920" cy="4666320"/>
           </a:xfrm>
           <a:prstGeom prst="roundRect">
             <a:avLst>
@@ -6494,7 +6494,7 @@
         <p:spPr>
           <a:xfrm>
             <a:off x="459720" y="4671360"/>
-            <a:ext cx="2995920" cy="266760"/>
+            <a:ext cx="2995560" cy="266400"/>
           </a:xfrm>
           <a:prstGeom prst="rect">
             <a:avLst/>
@@ -6559,8 +6559,8 @@
         </p:blipFill>
         <p:spPr>
           <a:xfrm>
-            <a:off x="2423160" y="4671720"/>
-            <a:ext cx="288360" cy="288360"/>
+            <a:off x="3035160" y="4743720"/>
+            <a:ext cx="288000" cy="288000"/>
           </a:xfrm>
           <a:prstGeom prst="rect">
             <a:avLst/>
@@ -6579,7 +6579,7 @@
         <p:spPr>
           <a:xfrm>
             <a:off x="484920" y="1681560"/>
-            <a:ext cx="5481360" cy="1882800"/>
+            <a:ext cx="5481000" cy="1882440"/>
           </a:xfrm>
           <a:prstGeom prst="rect">
             <a:avLst/>
@@ -6667,8 +6667,8 @@
         </p:nvSpPr>
         <p:spPr>
           <a:xfrm rot="2744400">
-            <a:off x="-281520" y="-25920"/>
-            <a:ext cx="704880" cy="704520"/>
+            <a:off x="-281160" y="-25920"/>
+            <a:ext cx="704520" cy="704160"/>
           </a:xfrm>
           <a:prstGeom prst="roundRect">
             <a:avLst>
@@ -6706,7 +6706,7 @@
         <p:spPr>
           <a:xfrm rot="2332200">
             <a:off x="6009480" y="-319680"/>
-            <a:ext cx="4856040" cy="7727040"/>
+            <a:ext cx="4855680" cy="7726680"/>
           </a:xfrm>
           <a:prstGeom prst="roundRect">
             <a:avLst>
@@ -6744,9 +6744,9 @@
         <p:grpSpPr>
           <a:xfrm>
             <a:off x="4571640" y="828000"/>
-            <a:ext cx="4468680" cy="3564720"/>
+            <a:ext cx="4468320" cy="3564360"/>
             <a:chOff x="4571640" y="828000"/>
-            <a:chExt cx="4468680" cy="3564720"/>
+            <a:chExt cx="4468320" cy="3564360"/>
           </a:xfrm>
         </p:grpSpPr>
         <p:pic>
@@ -6762,7 +6762,7 @@
           <p:spPr>
             <a:xfrm>
               <a:off x="4571640" y="828000"/>
-              <a:ext cx="4468680" cy="3564720"/>
+              <a:ext cx="4468320" cy="3564360"/>
             </a:xfrm>
             <a:prstGeom prst="rect">
               <a:avLst/>
@@ -6780,8 +6780,8 @@
           </p:nvSpPr>
           <p:spPr>
             <a:xfrm rot="16200000">
-              <a:off x="5962680" y="1158480"/>
-              <a:ext cx="1737720" cy="2771640"/>
+              <a:off x="5962680" y="1158840"/>
+              <a:ext cx="1737360" cy="2771280"/>
             </a:xfrm>
             <a:prstGeom prst="roundRect">
               <a:avLst>
@@ -6848,7 +6848,7 @@
         <p:spPr>
           <a:xfrm>
             <a:off x="5446080" y="1672200"/>
-            <a:ext cx="2771280" cy="1737720"/>
+            <a:ext cx="2770920" cy="1737360"/>
           </a:xfrm>
           <a:prstGeom prst="rect">
             <a:avLst/>
@@ -6900,7 +6900,7 @@
         <p:spPr>
           <a:xfrm>
             <a:off x="586440" y="1246680"/>
-            <a:ext cx="4004640" cy="3600360"/>
+            <a:ext cx="4004280" cy="3600000"/>
           </a:xfrm>
           <a:prstGeom prst="rect">
             <a:avLst/>
@@ -6952,7 +6952,7 @@
         <p:spPr>
           <a:xfrm>
             <a:off x="586440" y="453960"/>
-            <a:ext cx="4764600" cy="855720"/>
+            <a:ext cx="4764240" cy="855360"/>
           </a:xfrm>
           <a:prstGeom prst="rect">
             <a:avLst/>
@@ -7041,7 +7041,7 @@
         <p:spPr>
           <a:xfrm rot="2745600">
             <a:off x="8349840" y="-668160"/>
-            <a:ext cx="1498680" cy="1498680"/>
+            <a:ext cx="1498320" cy="1498320"/>
           </a:xfrm>
           <a:prstGeom prst="roundRect">
             <a:avLst>
@@ -7078,8 +7078,8 @@
         </p:nvSpPr>
         <p:spPr>
           <a:xfrm rot="2745600">
-            <a:off x="7634160" y="-322560"/>
-            <a:ext cx="807480" cy="807840"/>
+            <a:off x="7634160" y="-322200"/>
+            <a:ext cx="807120" cy="807480"/>
           </a:xfrm>
           <a:prstGeom prst="roundRect">
             <a:avLst>
@@ -7118,7 +7118,7 @@
         <p:spPr>
           <a:xfrm>
             <a:off x="586440" y="899640"/>
-            <a:ext cx="7932240" cy="1537560"/>
+            <a:ext cx="7931880" cy="1537200"/>
           </a:xfrm>
           <a:prstGeom prst="rect">
             <a:avLst/>
@@ -7170,7 +7170,7 @@
         <p:spPr>
           <a:xfrm>
             <a:off x="608040" y="2545560"/>
-            <a:ext cx="3712680" cy="2256120"/>
+            <a:ext cx="3712320" cy="2255760"/>
           </a:xfrm>
           <a:prstGeom prst="rect">
             <a:avLst/>
@@ -7222,7 +7222,7 @@
         <p:spPr>
           <a:xfrm>
             <a:off x="4806360" y="2545560"/>
-            <a:ext cx="3712680" cy="2256120"/>
+            <a:ext cx="3712320" cy="2255760"/>
           </a:xfrm>
           <a:prstGeom prst="rect">
             <a:avLst/>
@@ -7274,7 +7274,7 @@
         <p:spPr>
           <a:xfrm>
             <a:off x="583200" y="450720"/>
-            <a:ext cx="7198560" cy="512640"/>
+            <a:ext cx="7198200" cy="512280"/>
           </a:xfrm>
           <a:prstGeom prst="rect">
             <a:avLst/>
@@ -7356,7 +7356,7 @@
         <p:spPr>
           <a:xfrm>
             <a:off x="586440" y="1246680"/>
-            <a:ext cx="4004640" cy="3600360"/>
+            <a:ext cx="4004280" cy="3600000"/>
           </a:xfrm>
           <a:prstGeom prst="rect">
             <a:avLst/>
@@ -7408,7 +7408,7 @@
         <p:spPr>
           <a:xfrm>
             <a:off x="559800" y="446040"/>
-            <a:ext cx="4284000" cy="684000"/>
+            <a:ext cx="4283640" cy="683640"/>
           </a:xfrm>
           <a:prstGeom prst="rect">
             <a:avLst/>
@@ -7460,7 +7460,7 @@
         <p:spPr>
           <a:xfrm>
             <a:off x="5097600" y="360"/>
-            <a:ext cx="4380120" cy="5144400"/>
+            <a:ext cx="4379760" cy="5144040"/>
           </a:xfrm>
           <a:prstGeom prst="roundRect">
             <a:avLst>
@@ -7525,8 +7525,8 @@
         </p:nvSpPr>
         <p:spPr>
           <a:xfrm rot="2744400">
-            <a:off x="-281520" y="-25920"/>
-            <a:ext cx="704880" cy="704520"/>
+            <a:off x="-281160" y="-25920"/>
+            <a:ext cx="704520" cy="704160"/>
           </a:xfrm>
           <a:prstGeom prst="roundRect">
             <a:avLst>
@@ -7564,7 +7564,7 @@
         <p:spPr>
           <a:xfrm rot="2625600">
             <a:off x="4861080" y="4146840"/>
-            <a:ext cx="468720" cy="468720"/>
+            <a:ext cx="468360" cy="468360"/>
           </a:xfrm>
           <a:prstGeom prst="roundRect">
             <a:avLst>
@@ -7638,8 +7638,8 @@
         </p:nvSpPr>
         <p:spPr>
           <a:xfrm rot="2744400">
-            <a:off x="-350640" y="4540320"/>
-            <a:ext cx="704880" cy="704520"/>
+            <a:off x="-350280" y="4539960"/>
+            <a:ext cx="704520" cy="704160"/>
           </a:xfrm>
           <a:prstGeom prst="roundRect">
             <a:avLst>
@@ -7676,8 +7676,8 @@
         </p:nvSpPr>
         <p:spPr>
           <a:xfrm rot="19228200">
-            <a:off x="5846760" y="-2266920"/>
-            <a:ext cx="4855680" cy="7726680"/>
+            <a:off x="5846400" y="-2266560"/>
+            <a:ext cx="4855320" cy="7726320"/>
           </a:xfrm>
           <a:prstGeom prst="roundRect">
             <a:avLst>
@@ -7715,9 +7715,9 @@
         <p:grpSpPr>
           <a:xfrm>
             <a:off x="4571640" y="828000"/>
-            <a:ext cx="4468680" cy="3564720"/>
+            <a:ext cx="4468320" cy="3564360"/>
             <a:chOff x="4571640" y="828000"/>
-            <a:chExt cx="4468680" cy="3564720"/>
+            <a:chExt cx="4468320" cy="3564360"/>
           </a:xfrm>
         </p:grpSpPr>
         <p:pic>
@@ -7733,7 +7733,7 @@
           <p:spPr>
             <a:xfrm>
               <a:off x="4571640" y="828000"/>
-              <a:ext cx="4468680" cy="3564720"/>
+              <a:ext cx="4468320" cy="3564360"/>
             </a:xfrm>
             <a:prstGeom prst="rect">
               <a:avLst/>
@@ -7751,8 +7751,8 @@
           </p:nvSpPr>
           <p:spPr>
             <a:xfrm rot="16200000">
-              <a:off x="5962680" y="1158480"/>
-              <a:ext cx="1737720" cy="2771640"/>
+              <a:off x="5962680" y="1158840"/>
+              <a:ext cx="1737360" cy="2771280"/>
             </a:xfrm>
             <a:prstGeom prst="roundRect">
               <a:avLst>
@@ -7819,7 +7819,7 @@
         <p:spPr>
           <a:xfrm>
             <a:off x="586440" y="1246680"/>
-            <a:ext cx="4004640" cy="3600360"/>
+            <a:ext cx="4004280" cy="3600000"/>
           </a:xfrm>
           <a:prstGeom prst="rect">
             <a:avLst/>
@@ -7871,7 +7871,7 @@
         <p:spPr>
           <a:xfrm>
             <a:off x="5446080" y="1672200"/>
-            <a:ext cx="2780640" cy="1737720"/>
+            <a:ext cx="2780280" cy="1737360"/>
           </a:xfrm>
           <a:prstGeom prst="rect">
             <a:avLst/>
@@ -7923,7 +7923,7 @@
         <p:spPr>
           <a:xfrm>
             <a:off x="586440" y="453960"/>
-            <a:ext cx="3697200" cy="855720"/>
+            <a:ext cx="3696840" cy="855360"/>
           </a:xfrm>
           <a:prstGeom prst="rect">
             <a:avLst/>
@@ -8012,7 +8012,7 @@
         <p:spPr>
           <a:xfrm>
             <a:off x="4222080" y="1246680"/>
-            <a:ext cx="4115520" cy="3600360"/>
+            <a:ext cx="4115160" cy="3600000"/>
           </a:xfrm>
           <a:prstGeom prst="rect">
             <a:avLst/>
@@ -8063,8 +8063,8 @@
         </p:nvSpPr>
         <p:spPr>
           <a:xfrm rot="16200000">
-            <a:off x="-2181600" y="1733040"/>
-            <a:ext cx="5144400" cy="1684440"/>
+            <a:off x="-2181600" y="1733400"/>
+            <a:ext cx="5144040" cy="1684080"/>
           </a:xfrm>
           <a:prstGeom prst="roundRect">
             <a:avLst>
@@ -8101,8 +8101,8 @@
         </p:nvSpPr>
         <p:spPr>
           <a:xfrm rot="2745000">
-            <a:off x="8575200" y="104040"/>
-            <a:ext cx="1132920" cy="1132560"/>
+            <a:off x="8575200" y="103680"/>
+            <a:ext cx="1132560" cy="1132200"/>
           </a:xfrm>
           <a:prstGeom prst="roundRect">
             <a:avLst>
@@ -8139,8 +8139,8 @@
         </p:nvSpPr>
         <p:spPr>
           <a:xfrm rot="16200000">
-            <a:off x="614880" y="918360"/>
-            <a:ext cx="3232440" cy="3314160"/>
+            <a:off x="614880" y="918720"/>
+            <a:ext cx="3232080" cy="3313800"/>
           </a:xfrm>
           <a:prstGeom prst="roundRect">
             <a:avLst>
@@ -8206,7 +8206,7 @@
         <p:spPr>
           <a:xfrm>
             <a:off x="4214160" y="456120"/>
-            <a:ext cx="4112280" cy="855720"/>
+            <a:ext cx="4111920" cy="855360"/>
           </a:xfrm>
           <a:prstGeom prst="rect">
             <a:avLst/>
@@ -8294,8 +8294,8 @@
         </p:nvSpPr>
         <p:spPr>
           <a:xfrm rot="2744400">
-            <a:off x="-281520" y="-25920"/>
-            <a:ext cx="704880" cy="704520"/>
+            <a:off x="-281160" y="-25920"/>
+            <a:ext cx="704520" cy="704160"/>
           </a:xfrm>
           <a:prstGeom prst="roundRect">
             <a:avLst>
@@ -8333,7 +8333,7 @@
         <p:spPr>
           <a:xfrm rot="2332200">
             <a:off x="6009480" y="-319680"/>
-            <a:ext cx="4856040" cy="7727040"/>
+            <a:ext cx="4855680" cy="7726680"/>
           </a:xfrm>
           <a:prstGeom prst="roundRect">
             <a:avLst>
@@ -8371,9 +8371,9 @@
         <p:grpSpPr>
           <a:xfrm>
             <a:off x="4571640" y="828000"/>
-            <a:ext cx="4468680" cy="3564720"/>
+            <a:ext cx="4468320" cy="3564360"/>
             <a:chOff x="4571640" y="828000"/>
-            <a:chExt cx="4468680" cy="3564720"/>
+            <a:chExt cx="4468320" cy="3564360"/>
           </a:xfrm>
         </p:grpSpPr>
         <p:pic>
@@ -8389,7 +8389,7 @@
           <p:spPr>
             <a:xfrm>
               <a:off x="4571640" y="828000"/>
-              <a:ext cx="4468680" cy="3564720"/>
+              <a:ext cx="4468320" cy="3564360"/>
             </a:xfrm>
             <a:prstGeom prst="rect">
               <a:avLst/>
@@ -8407,8 +8407,8 @@
           </p:nvSpPr>
           <p:spPr>
             <a:xfrm rot="16200000">
-              <a:off x="5962680" y="1158480"/>
-              <a:ext cx="1737720" cy="2771640"/>
+              <a:off x="5962680" y="1158840"/>
+              <a:ext cx="1737360" cy="2771280"/>
             </a:xfrm>
             <a:prstGeom prst="roundRect">
               <a:avLst>
@@ -8475,7 +8475,7 @@
         <p:spPr>
           <a:xfrm>
             <a:off x="5446080" y="1672200"/>
-            <a:ext cx="2771280" cy="1737720"/>
+            <a:ext cx="2770920" cy="1737360"/>
           </a:xfrm>
           <a:prstGeom prst="rect">
             <a:avLst/>
@@ -8527,7 +8527,7 @@
         <p:spPr>
           <a:xfrm>
             <a:off x="586440" y="1246680"/>
-            <a:ext cx="4004640" cy="3600360"/>
+            <a:ext cx="4004280" cy="3600000"/>
           </a:xfrm>
           <a:prstGeom prst="rect">
             <a:avLst/>
@@ -8579,7 +8579,7 @@
         <p:spPr>
           <a:xfrm>
             <a:off x="586440" y="453960"/>
-            <a:ext cx="4764600" cy="855720"/>
+            <a:ext cx="4764240" cy="855360"/>
           </a:xfrm>
           <a:prstGeom prst="rect">
             <a:avLst/>
@@ -8668,7 +8668,7 @@
         <p:spPr>
           <a:xfrm rot="2745600">
             <a:off x="8349840" y="-668160"/>
-            <a:ext cx="1498680" cy="1498680"/>
+            <a:ext cx="1498320" cy="1498320"/>
           </a:xfrm>
           <a:prstGeom prst="roundRect">
             <a:avLst>
@@ -8705,8 +8705,8 @@
         </p:nvSpPr>
         <p:spPr>
           <a:xfrm rot="2745600">
-            <a:off x="7634160" y="-322560"/>
-            <a:ext cx="807480" cy="807840"/>
+            <a:off x="7634160" y="-322200"/>
+            <a:ext cx="807120" cy="807480"/>
           </a:xfrm>
           <a:prstGeom prst="roundRect">
             <a:avLst>
@@ -8745,7 +8745,7 @@
         <p:spPr>
           <a:xfrm>
             <a:off x="586440" y="899640"/>
-            <a:ext cx="7932240" cy="1537560"/>
+            <a:ext cx="7931880" cy="1537200"/>
           </a:xfrm>
           <a:prstGeom prst="rect">
             <a:avLst/>
@@ -8797,7 +8797,7 @@
         <p:spPr>
           <a:xfrm>
             <a:off x="608040" y="2545560"/>
-            <a:ext cx="3712680" cy="2256120"/>
+            <a:ext cx="3712320" cy="2255760"/>
           </a:xfrm>
           <a:prstGeom prst="rect">
             <a:avLst/>
@@ -8849,7 +8849,7 @@
         <p:spPr>
           <a:xfrm>
             <a:off x="4806360" y="2545560"/>
-            <a:ext cx="3712680" cy="2256120"/>
+            <a:ext cx="3712320" cy="2255760"/>
           </a:xfrm>
           <a:prstGeom prst="rect">
             <a:avLst/>
@@ -8901,7 +8901,7 @@
         <p:spPr>
           <a:xfrm>
             <a:off x="583200" y="450720"/>
-            <a:ext cx="7198560" cy="512640"/>
+            <a:ext cx="7198200" cy="512280"/>
           </a:xfrm>
           <a:prstGeom prst="rect">
             <a:avLst/>
@@ -8983,7 +8983,7 @@
         <p:spPr>
           <a:xfrm>
             <a:off x="586440" y="1246680"/>
-            <a:ext cx="4004640" cy="3600360"/>
+            <a:ext cx="4004280" cy="3600000"/>
           </a:xfrm>
           <a:prstGeom prst="rect">
             <a:avLst/>
@@ -9035,7 +9035,7 @@
         <p:spPr>
           <a:xfrm>
             <a:off x="559800" y="446040"/>
-            <a:ext cx="4284000" cy="684000"/>
+            <a:ext cx="4283640" cy="683640"/>
           </a:xfrm>
           <a:prstGeom prst="rect">
             <a:avLst/>
@@ -9087,7 +9087,7 @@
         <p:spPr>
           <a:xfrm>
             <a:off x="5097600" y="360"/>
-            <a:ext cx="4380120" cy="5144400"/>
+            <a:ext cx="4379760" cy="5144040"/>
           </a:xfrm>
           <a:prstGeom prst="roundRect">
             <a:avLst>
@@ -9152,8 +9152,8 @@
         </p:nvSpPr>
         <p:spPr>
           <a:xfrm rot="2744400">
-            <a:off x="-281520" y="-25920"/>
-            <a:ext cx="704880" cy="704520"/>
+            <a:off x="-281160" y="-25920"/>
+            <a:ext cx="704520" cy="704160"/>
           </a:xfrm>
           <a:prstGeom prst="roundRect">
             <a:avLst>
@@ -9191,7 +9191,7 @@
         <p:spPr>
           <a:xfrm rot="2625600">
             <a:off x="4861080" y="4146840"/>
-            <a:ext cx="468720" cy="468720"/>
+            <a:ext cx="468360" cy="468360"/>
           </a:xfrm>
           <a:prstGeom prst="roundRect">
             <a:avLst>
@@ -9265,8 +9265,8 @@
         </p:nvSpPr>
         <p:spPr>
           <a:xfrm rot="2744400">
-            <a:off x="-350640" y="4540320"/>
-            <a:ext cx="704880" cy="704520"/>
+            <a:off x="-350280" y="4539960"/>
+            <a:ext cx="704520" cy="704160"/>
           </a:xfrm>
           <a:prstGeom prst="roundRect">
             <a:avLst>
@@ -9303,8 +9303,8 @@
         </p:nvSpPr>
         <p:spPr>
           <a:xfrm rot="19228200">
-            <a:off x="5846760" y="-2266920"/>
-            <a:ext cx="4855680" cy="7726680"/>
+            <a:off x="5846400" y="-2266560"/>
+            <a:ext cx="4855320" cy="7726320"/>
           </a:xfrm>
           <a:prstGeom prst="roundRect">
             <a:avLst>
@@ -9342,9 +9342,9 @@
         <p:grpSpPr>
           <a:xfrm>
             <a:off x="4571640" y="828000"/>
-            <a:ext cx="4468680" cy="3564720"/>
+            <a:ext cx="4468320" cy="3564360"/>
             <a:chOff x="4571640" y="828000"/>
-            <a:chExt cx="4468680" cy="3564720"/>
+            <a:chExt cx="4468320" cy="3564360"/>
           </a:xfrm>
         </p:grpSpPr>
         <p:pic>
@@ -9360,7 +9360,7 @@
           <p:spPr>
             <a:xfrm>
               <a:off x="4571640" y="828000"/>
-              <a:ext cx="4468680" cy="3564720"/>
+              <a:ext cx="4468320" cy="3564360"/>
             </a:xfrm>
             <a:prstGeom prst="rect">
               <a:avLst/>
@@ -9378,8 +9378,8 @@
           </p:nvSpPr>
           <p:spPr>
             <a:xfrm rot="16200000">
-              <a:off x="5962680" y="1158480"/>
-              <a:ext cx="1737720" cy="2771640"/>
+              <a:off x="5962680" y="1158840"/>
+              <a:ext cx="1737360" cy="2771280"/>
             </a:xfrm>
             <a:prstGeom prst="roundRect">
               <a:avLst>
@@ -9446,7 +9446,7 @@
         <p:spPr>
           <a:xfrm>
             <a:off x="586440" y="1246680"/>
-            <a:ext cx="4004640" cy="3600360"/>
+            <a:ext cx="4004280" cy="3600000"/>
           </a:xfrm>
           <a:prstGeom prst="rect">
             <a:avLst/>
@@ -9498,7 +9498,7 @@
         <p:spPr>
           <a:xfrm>
             <a:off x="5446080" y="1672200"/>
-            <a:ext cx="2780640" cy="1737720"/>
+            <a:ext cx="2780280" cy="1737360"/>
           </a:xfrm>
           <a:prstGeom prst="rect">
             <a:avLst/>
@@ -9550,7 +9550,7 @@
         <p:spPr>
           <a:xfrm>
             <a:off x="586440" y="453960"/>
-            <a:ext cx="3697200" cy="855720"/>
+            <a:ext cx="3696840" cy="855360"/>
           </a:xfrm>
           <a:prstGeom prst="rect">
             <a:avLst/>
@@ -9639,7 +9639,7 @@
         <p:spPr>
           <a:xfrm>
             <a:off x="4222080" y="1246680"/>
-            <a:ext cx="4115520" cy="3600360"/>
+            <a:ext cx="4115160" cy="3600000"/>
           </a:xfrm>
           <a:prstGeom prst="rect">
             <a:avLst/>
@@ -9690,8 +9690,8 @@
         </p:nvSpPr>
         <p:spPr>
           <a:xfrm rot="16200000">
-            <a:off x="-2181600" y="1733040"/>
-            <a:ext cx="5144400" cy="1684440"/>
+            <a:off x="-2181600" y="1733400"/>
+            <a:ext cx="5144040" cy="1684080"/>
           </a:xfrm>
           <a:prstGeom prst="roundRect">
             <a:avLst>
@@ -9728,8 +9728,8 @@
         </p:nvSpPr>
         <p:spPr>
           <a:xfrm rot="2745000">
-            <a:off x="8575200" y="104040"/>
-            <a:ext cx="1132920" cy="1132560"/>
+            <a:off x="8575200" y="103680"/>
+            <a:ext cx="1132560" cy="1132200"/>
           </a:xfrm>
           <a:prstGeom prst="roundRect">
             <a:avLst>
@@ -9766,8 +9766,8 @@
         </p:nvSpPr>
         <p:spPr>
           <a:xfrm rot="16200000">
-            <a:off x="614880" y="918360"/>
-            <a:ext cx="3232440" cy="3314160"/>
+            <a:off x="614880" y="918720"/>
+            <a:ext cx="3232080" cy="3313800"/>
           </a:xfrm>
           <a:prstGeom prst="roundRect">
             <a:avLst>
@@ -9833,7 +9833,7 @@
         <p:spPr>
           <a:xfrm>
             <a:off x="4214160" y="456120"/>
-            <a:ext cx="4112280" cy="855720"/>
+            <a:ext cx="4111920" cy="855360"/>
           </a:xfrm>
           <a:prstGeom prst="rect">
             <a:avLst/>
@@ -9915,7 +9915,7 @@
         <p:spPr>
           <a:xfrm>
             <a:off x="586440" y="1246680"/>
-            <a:ext cx="4004640" cy="3600360"/>
+            <a:ext cx="4004280" cy="3600000"/>
           </a:xfrm>
           <a:prstGeom prst="rect">
             <a:avLst/>
@@ -9967,7 +9967,7 @@
         <p:spPr>
           <a:xfrm>
             <a:off x="559800" y="446040"/>
-            <a:ext cx="4284000" cy="684000"/>
+            <a:ext cx="4283640" cy="683640"/>
           </a:xfrm>
           <a:prstGeom prst="rect">
             <a:avLst/>
@@ -10019,7 +10019,7 @@
         <p:spPr>
           <a:xfrm>
             <a:off x="5097600" y="360"/>
-            <a:ext cx="4380120" cy="5144400"/>
+            <a:ext cx="4379760" cy="5144040"/>
           </a:xfrm>
           <a:prstGeom prst="roundRect">
             <a:avLst>
@@ -10084,8 +10084,8 @@
         </p:nvSpPr>
         <p:spPr>
           <a:xfrm rot="2744400">
-            <a:off x="-281520" y="-25920"/>
-            <a:ext cx="704880" cy="704520"/>
+            <a:off x="-281160" y="-25920"/>
+            <a:ext cx="704520" cy="704160"/>
           </a:xfrm>
           <a:prstGeom prst="roundRect">
             <a:avLst>
@@ -10123,7 +10123,7 @@
         <p:spPr>
           <a:xfrm rot="2625600">
             <a:off x="4861080" y="4146840"/>
-            <a:ext cx="468720" cy="468720"/>
+            <a:ext cx="468360" cy="468360"/>
           </a:xfrm>
           <a:prstGeom prst="roundRect">
             <a:avLst>
@@ -10197,8 +10197,8 @@
         </p:nvSpPr>
         <p:spPr>
           <a:xfrm rot="2744400">
-            <a:off x="-281520" y="-25920"/>
-            <a:ext cx="704880" cy="704520"/>
+            <a:off x="-281160" y="-25920"/>
+            <a:ext cx="704520" cy="704160"/>
           </a:xfrm>
           <a:prstGeom prst="roundRect">
             <a:avLst>
@@ -10236,7 +10236,7 @@
         <p:spPr>
           <a:xfrm rot="2332200">
             <a:off x="6009480" y="-319680"/>
-            <a:ext cx="4856040" cy="7727040"/>
+            <a:ext cx="4855680" cy="7726680"/>
           </a:xfrm>
           <a:prstGeom prst="roundRect">
             <a:avLst>
@@ -10274,9 +10274,9 @@
         <p:grpSpPr>
           <a:xfrm>
             <a:off x="4571640" y="828000"/>
-            <a:ext cx="4468680" cy="3564720"/>
+            <a:ext cx="4468320" cy="3564360"/>
             <a:chOff x="4571640" y="828000"/>
-            <a:chExt cx="4468680" cy="3564720"/>
+            <a:chExt cx="4468320" cy="3564360"/>
           </a:xfrm>
         </p:grpSpPr>
         <p:pic>
@@ -10292,7 +10292,7 @@
           <p:spPr>
             <a:xfrm>
               <a:off x="4571640" y="828000"/>
-              <a:ext cx="4468680" cy="3564720"/>
+              <a:ext cx="4468320" cy="3564360"/>
             </a:xfrm>
             <a:prstGeom prst="rect">
               <a:avLst/>
@@ -10310,8 +10310,8 @@
           </p:nvSpPr>
           <p:spPr>
             <a:xfrm rot="16200000">
-              <a:off x="5962680" y="1158480"/>
-              <a:ext cx="1737720" cy="2771640"/>
+              <a:off x="5962680" y="1158840"/>
+              <a:ext cx="1737360" cy="2771280"/>
             </a:xfrm>
             <a:prstGeom prst="roundRect">
               <a:avLst>
@@ -10378,7 +10378,7 @@
         <p:spPr>
           <a:xfrm>
             <a:off x="5446080" y="1672200"/>
-            <a:ext cx="2771280" cy="1737720"/>
+            <a:ext cx="2770920" cy="1737360"/>
           </a:xfrm>
           <a:prstGeom prst="rect">
             <a:avLst/>
@@ -10430,7 +10430,7 @@
         <p:spPr>
           <a:xfrm>
             <a:off x="586440" y="1246680"/>
-            <a:ext cx="4004640" cy="3600360"/>
+            <a:ext cx="4004280" cy="3600000"/>
           </a:xfrm>
           <a:prstGeom prst="rect">
             <a:avLst/>
@@ -10482,7 +10482,7 @@
         <p:spPr>
           <a:xfrm>
             <a:off x="586440" y="453960"/>
-            <a:ext cx="4764600" cy="855720"/>
+            <a:ext cx="4764240" cy="855360"/>
           </a:xfrm>
           <a:prstGeom prst="rect">
             <a:avLst/>
@@ -10571,7 +10571,7 @@
         <p:spPr>
           <a:xfrm rot="2745600">
             <a:off x="8349840" y="-668160"/>
-            <a:ext cx="1498680" cy="1498680"/>
+            <a:ext cx="1498320" cy="1498320"/>
           </a:xfrm>
           <a:prstGeom prst="roundRect">
             <a:avLst>
@@ -10608,8 +10608,8 @@
         </p:nvSpPr>
         <p:spPr>
           <a:xfrm rot="2745600">
-            <a:off x="7634160" y="-322560"/>
-            <a:ext cx="807480" cy="807840"/>
+            <a:off x="7634160" y="-322200"/>
+            <a:ext cx="807120" cy="807480"/>
           </a:xfrm>
           <a:prstGeom prst="roundRect">
             <a:avLst>
@@ -10648,7 +10648,7 @@
         <p:spPr>
           <a:xfrm>
             <a:off x="586440" y="899640"/>
-            <a:ext cx="7932240" cy="1537560"/>
+            <a:ext cx="7931880" cy="1537200"/>
           </a:xfrm>
           <a:prstGeom prst="rect">
             <a:avLst/>
@@ -10700,7 +10700,7 @@
         <p:spPr>
           <a:xfrm>
             <a:off x="608040" y="2545560"/>
-            <a:ext cx="3712680" cy="2256120"/>
+            <a:ext cx="3712320" cy="2255760"/>
           </a:xfrm>
           <a:prstGeom prst="rect">
             <a:avLst/>
@@ -10752,7 +10752,7 @@
         <p:spPr>
           <a:xfrm>
             <a:off x="4806360" y="2545560"/>
-            <a:ext cx="3712680" cy="2256120"/>
+            <a:ext cx="3712320" cy="2255760"/>
           </a:xfrm>
           <a:prstGeom prst="rect">
             <a:avLst/>
@@ -10804,7 +10804,7 @@
         <p:spPr>
           <a:xfrm>
             <a:off x="583200" y="450720"/>
-            <a:ext cx="7198560" cy="512640"/>
+            <a:ext cx="7198200" cy="512280"/>
           </a:xfrm>
           <a:prstGeom prst="rect">
             <a:avLst/>
@@ -10886,7 +10886,7 @@
         <p:spPr>
           <a:xfrm>
             <a:off x="586440" y="1246680"/>
-            <a:ext cx="4004640" cy="3600360"/>
+            <a:ext cx="4004280" cy="3600000"/>
           </a:xfrm>
           <a:prstGeom prst="rect">
             <a:avLst/>
@@ -10938,7 +10938,7 @@
         <p:spPr>
           <a:xfrm>
             <a:off x="559800" y="446040"/>
-            <a:ext cx="4284000" cy="684000"/>
+            <a:ext cx="4283640" cy="683640"/>
           </a:xfrm>
           <a:prstGeom prst="rect">
             <a:avLst/>
@@ -10990,7 +10990,7 @@
         <p:spPr>
           <a:xfrm>
             <a:off x="5097600" y="360"/>
-            <a:ext cx="4380120" cy="5144400"/>
+            <a:ext cx="4379760" cy="5144040"/>
           </a:xfrm>
           <a:prstGeom prst="roundRect">
             <a:avLst>
@@ -11055,8 +11055,8 @@
         </p:nvSpPr>
         <p:spPr>
           <a:xfrm rot="2744400">
-            <a:off x="-281520" y="-25920"/>
-            <a:ext cx="704880" cy="704520"/>
+            <a:off x="-281160" y="-25920"/>
+            <a:ext cx="704520" cy="704160"/>
           </a:xfrm>
           <a:prstGeom prst="roundRect">
             <a:avLst>
@@ -11094,7 +11094,7 @@
         <p:spPr>
           <a:xfrm rot="2625600">
             <a:off x="4861080" y="4146840"/>
-            <a:ext cx="468720" cy="468720"/>
+            <a:ext cx="468360" cy="468360"/>
           </a:xfrm>
           <a:prstGeom prst="roundRect">
             <a:avLst>
@@ -11168,8 +11168,8 @@
         </p:nvSpPr>
         <p:spPr>
           <a:xfrm rot="2744400">
-            <a:off x="-281520" y="-25920"/>
-            <a:ext cx="704880" cy="704520"/>
+            <a:off x="-281160" y="-25920"/>
+            <a:ext cx="704520" cy="704160"/>
           </a:xfrm>
           <a:prstGeom prst="roundRect">
             <a:avLst>
@@ -11207,7 +11207,7 @@
         <p:spPr>
           <a:xfrm>
             <a:off x="569160" y="1888920"/>
-            <a:ext cx="4821480" cy="820800"/>
+            <a:ext cx="4821120" cy="820800"/>
           </a:xfrm>
           <a:prstGeom prst="rect">
             <a:avLst/>
@@ -11258,8 +11258,8 @@
         </p:nvSpPr>
         <p:spPr>
           <a:xfrm rot="18679800">
-            <a:off x="6782400" y="457560"/>
-            <a:ext cx="6251040" cy="4666680"/>
+            <a:off x="6782040" y="457560"/>
+            <a:ext cx="6250680" cy="4666320"/>
           </a:xfrm>
           <a:prstGeom prst="roundRect">
             <a:avLst>
@@ -11297,7 +11297,7 @@
         <p:spPr>
           <a:xfrm rot="2625600">
             <a:off x="6024960" y="4332960"/>
-            <a:ext cx="468720" cy="468720"/>
+            <a:ext cx="468360" cy="468360"/>
           </a:xfrm>
           <a:prstGeom prst="roundRect">
             <a:avLst>
@@ -11335,7 +11335,7 @@
         <p:spPr>
           <a:xfrm>
             <a:off x="1640880" y="4592880"/>
-            <a:ext cx="2995920" cy="266760"/>
+            <a:ext cx="2995560" cy="266400"/>
           </a:xfrm>
           <a:prstGeom prst="rect">
             <a:avLst/>
@@ -11397,7 +11397,7 @@
         <p:spPr>
           <a:xfrm>
             <a:off x="867240" y="3590280"/>
-            <a:ext cx="253800" cy="254160"/>
+            <a:ext cx="253440" cy="253800"/>
           </a:xfrm>
           <a:prstGeom prst="ellipse">
             <a:avLst/>
@@ -11432,7 +11432,7 @@
         <p:spPr>
           <a:xfrm>
             <a:off x="351000" y="3793320"/>
-            <a:ext cx="1286280" cy="1131840"/>
+            <a:ext cx="1285920" cy="1131480"/>
           </a:xfrm>
           <a:prstGeom prst="rect">
             <a:avLst/>
@@ -11487,8 +11487,8 @@
         </p:nvSpPr>
         <p:spPr>
           <a:xfrm rot="2744400">
-            <a:off x="-350640" y="4540320"/>
-            <a:ext cx="704880" cy="704520"/>
+            <a:off x="-350280" y="4539960"/>
+            <a:ext cx="704520" cy="704160"/>
           </a:xfrm>
           <a:prstGeom prst="roundRect">
             <a:avLst>
@@ -11525,8 +11525,8 @@
         </p:nvSpPr>
         <p:spPr>
           <a:xfrm rot="19228200">
-            <a:off x="5846760" y="-2266920"/>
-            <a:ext cx="4855680" cy="7726680"/>
+            <a:off x="5846400" y="-2266560"/>
+            <a:ext cx="4855320" cy="7726320"/>
           </a:xfrm>
           <a:prstGeom prst="roundRect">
             <a:avLst>
@@ -11564,9 +11564,9 @@
         <p:grpSpPr>
           <a:xfrm>
             <a:off x="4571640" y="828000"/>
-            <a:ext cx="4468680" cy="3564720"/>
+            <a:ext cx="4468320" cy="3564360"/>
             <a:chOff x="4571640" y="828000"/>
-            <a:chExt cx="4468680" cy="3564720"/>
+            <a:chExt cx="4468320" cy="3564360"/>
           </a:xfrm>
         </p:grpSpPr>
         <p:pic>
@@ -11582,7 +11582,7 @@
           <p:spPr>
             <a:xfrm>
               <a:off x="4571640" y="828000"/>
-              <a:ext cx="4468680" cy="3564720"/>
+              <a:ext cx="4468320" cy="3564360"/>
             </a:xfrm>
             <a:prstGeom prst="rect">
               <a:avLst/>
@@ -11600,8 +11600,8 @@
           </p:nvSpPr>
           <p:spPr>
             <a:xfrm rot="16200000">
-              <a:off x="5962680" y="1158480"/>
-              <a:ext cx="1737720" cy="2771640"/>
+              <a:off x="5962680" y="1158840"/>
+              <a:ext cx="1737360" cy="2771280"/>
             </a:xfrm>
             <a:prstGeom prst="roundRect">
               <a:avLst>
@@ -11668,7 +11668,7 @@
         <p:spPr>
           <a:xfrm>
             <a:off x="586440" y="1246680"/>
-            <a:ext cx="4004640" cy="3600360"/>
+            <a:ext cx="4004280" cy="3600000"/>
           </a:xfrm>
           <a:prstGeom prst="rect">
             <a:avLst/>
@@ -11720,7 +11720,7 @@
         <p:spPr>
           <a:xfrm>
             <a:off x="5446080" y="1672200"/>
-            <a:ext cx="2780640" cy="1737720"/>
+            <a:ext cx="2780280" cy="1737360"/>
           </a:xfrm>
           <a:prstGeom prst="rect">
             <a:avLst/>
@@ -11772,7 +11772,7 @@
         <p:spPr>
           <a:xfrm>
             <a:off x="586440" y="453960"/>
-            <a:ext cx="3697200" cy="855720"/>
+            <a:ext cx="3696840" cy="855360"/>
           </a:xfrm>
           <a:prstGeom prst="rect">
             <a:avLst/>
@@ -11861,7 +11861,7 @@
         <p:spPr>
           <a:xfrm>
             <a:off x="4222080" y="1246680"/>
-            <a:ext cx="4115520" cy="3600360"/>
+            <a:ext cx="4115160" cy="3600000"/>
           </a:xfrm>
           <a:prstGeom prst="rect">
             <a:avLst/>
@@ -11912,8 +11912,8 @@
         </p:nvSpPr>
         <p:spPr>
           <a:xfrm rot="16200000">
-            <a:off x="-2181600" y="1733040"/>
-            <a:ext cx="5144400" cy="1684440"/>
+            <a:off x="-2181600" y="1733400"/>
+            <a:ext cx="5144040" cy="1684080"/>
           </a:xfrm>
           <a:prstGeom prst="roundRect">
             <a:avLst>
@@ -11950,8 +11950,8 @@
         </p:nvSpPr>
         <p:spPr>
           <a:xfrm rot="2745000">
-            <a:off x="8575200" y="104040"/>
-            <a:ext cx="1132920" cy="1132560"/>
+            <a:off x="8575200" y="103680"/>
+            <a:ext cx="1132560" cy="1132200"/>
           </a:xfrm>
           <a:prstGeom prst="roundRect">
             <a:avLst>
@@ -11988,8 +11988,8 @@
         </p:nvSpPr>
         <p:spPr>
           <a:xfrm rot="16200000">
-            <a:off x="614880" y="918360"/>
-            <a:ext cx="3232440" cy="3314160"/>
+            <a:off x="614880" y="918720"/>
+            <a:ext cx="3232080" cy="3313800"/>
           </a:xfrm>
           <a:prstGeom prst="roundRect">
             <a:avLst>
@@ -12055,7 +12055,7 @@
         <p:spPr>
           <a:xfrm>
             <a:off x="4214160" y="456120"/>
-            <a:ext cx="4112280" cy="855720"/>
+            <a:ext cx="4111920" cy="855360"/>
           </a:xfrm>
           <a:prstGeom prst="rect">
             <a:avLst/>
@@ -12143,8 +12143,8 @@
         </p:nvSpPr>
         <p:spPr>
           <a:xfrm rot="2744400">
-            <a:off x="-281520" y="-25920"/>
-            <a:ext cx="704880" cy="704520"/>
+            <a:off x="-281160" y="-25920"/>
+            <a:ext cx="704520" cy="704160"/>
           </a:xfrm>
           <a:prstGeom prst="roundRect">
             <a:avLst>
@@ -12182,7 +12182,7 @@
         <p:spPr>
           <a:xfrm rot="2332200">
             <a:off x="6009480" y="-319680"/>
-            <a:ext cx="4856040" cy="7727040"/>
+            <a:ext cx="4855680" cy="7726680"/>
           </a:xfrm>
           <a:prstGeom prst="roundRect">
             <a:avLst>
@@ -12220,9 +12220,9 @@
         <p:grpSpPr>
           <a:xfrm>
             <a:off x="4571640" y="828000"/>
-            <a:ext cx="4468680" cy="3564720"/>
+            <a:ext cx="4468320" cy="3564360"/>
             <a:chOff x="4571640" y="828000"/>
-            <a:chExt cx="4468680" cy="3564720"/>
+            <a:chExt cx="4468320" cy="3564360"/>
           </a:xfrm>
         </p:grpSpPr>
         <p:pic>
@@ -12238,7 +12238,7 @@
           <p:spPr>
             <a:xfrm>
               <a:off x="4571640" y="828000"/>
-              <a:ext cx="4468680" cy="3564720"/>
+              <a:ext cx="4468320" cy="3564360"/>
             </a:xfrm>
             <a:prstGeom prst="rect">
               <a:avLst/>
@@ -12256,8 +12256,8 @@
           </p:nvSpPr>
           <p:spPr>
             <a:xfrm rot="16200000">
-              <a:off x="5962680" y="1158480"/>
-              <a:ext cx="1737720" cy="2771640"/>
+              <a:off x="5962680" y="1158840"/>
+              <a:ext cx="1737360" cy="2771280"/>
             </a:xfrm>
             <a:prstGeom prst="roundRect">
               <a:avLst>
@@ -12324,7 +12324,7 @@
         <p:spPr>
           <a:xfrm>
             <a:off x="5446080" y="1672200"/>
-            <a:ext cx="2771280" cy="1737720"/>
+            <a:ext cx="2770920" cy="1737360"/>
           </a:xfrm>
           <a:prstGeom prst="rect">
             <a:avLst/>
@@ -12376,7 +12376,7 @@
         <p:spPr>
           <a:xfrm>
             <a:off x="586440" y="1246680"/>
-            <a:ext cx="4004640" cy="3600360"/>
+            <a:ext cx="4004280" cy="3600000"/>
           </a:xfrm>
           <a:prstGeom prst="rect">
             <a:avLst/>
@@ -12428,7 +12428,7 @@
         <p:spPr>
           <a:xfrm>
             <a:off x="586440" y="453960"/>
-            <a:ext cx="4764600" cy="855720"/>
+            <a:ext cx="4764240" cy="855360"/>
           </a:xfrm>
           <a:prstGeom prst="rect">
             <a:avLst/>
@@ -12517,7 +12517,7 @@
         <p:spPr>
           <a:xfrm rot="2745600">
             <a:off x="8349840" y="-668160"/>
-            <a:ext cx="1498680" cy="1498680"/>
+            <a:ext cx="1498320" cy="1498320"/>
           </a:xfrm>
           <a:prstGeom prst="roundRect">
             <a:avLst>
@@ -12554,8 +12554,8 @@
         </p:nvSpPr>
         <p:spPr>
           <a:xfrm rot="2745600">
-            <a:off x="7634160" y="-322560"/>
-            <a:ext cx="807480" cy="807840"/>
+            <a:off x="7634160" y="-322200"/>
+            <a:ext cx="807120" cy="807480"/>
           </a:xfrm>
           <a:prstGeom prst="roundRect">
             <a:avLst>
@@ -12594,7 +12594,7 @@
         <p:spPr>
           <a:xfrm>
             <a:off x="586440" y="899640"/>
-            <a:ext cx="7932240" cy="1537560"/>
+            <a:ext cx="7931880" cy="1537200"/>
           </a:xfrm>
           <a:prstGeom prst="rect">
             <a:avLst/>
@@ -12646,7 +12646,7 @@
         <p:spPr>
           <a:xfrm>
             <a:off x="608040" y="2545560"/>
-            <a:ext cx="3712680" cy="2256120"/>
+            <a:ext cx="3712320" cy="2255760"/>
           </a:xfrm>
           <a:prstGeom prst="rect">
             <a:avLst/>
@@ -12698,7 +12698,7 @@
         <p:spPr>
           <a:xfrm>
             <a:off x="4806360" y="2545560"/>
-            <a:ext cx="3712680" cy="2256120"/>
+            <a:ext cx="3712320" cy="2255760"/>
           </a:xfrm>
           <a:prstGeom prst="rect">
             <a:avLst/>
@@ -12750,7 +12750,7 @@
         <p:spPr>
           <a:xfrm>
             <a:off x="583200" y="450720"/>
-            <a:ext cx="7198560" cy="512640"/>
+            <a:ext cx="7198200" cy="512280"/>
           </a:xfrm>
           <a:prstGeom prst="rect">
             <a:avLst/>
@@ -12832,7 +12832,7 @@
         <p:spPr>
           <a:xfrm>
             <a:off x="586440" y="1246680"/>
-            <a:ext cx="4004640" cy="3600360"/>
+            <a:ext cx="4004280" cy="3600000"/>
           </a:xfrm>
           <a:prstGeom prst="rect">
             <a:avLst/>
@@ -12884,7 +12884,7 @@
         <p:spPr>
           <a:xfrm>
             <a:off x="559800" y="446040"/>
-            <a:ext cx="4284000" cy="684000"/>
+            <a:ext cx="4283640" cy="683640"/>
           </a:xfrm>
           <a:prstGeom prst="rect">
             <a:avLst/>
@@ -12936,7 +12936,7 @@
         <p:spPr>
           <a:xfrm>
             <a:off x="5097600" y="360"/>
-            <a:ext cx="4380120" cy="5144400"/>
+            <a:ext cx="4379760" cy="5144040"/>
           </a:xfrm>
           <a:prstGeom prst="roundRect">
             <a:avLst>
@@ -13001,8 +13001,8 @@
         </p:nvSpPr>
         <p:spPr>
           <a:xfrm rot="2744400">
-            <a:off x="-281520" y="-25920"/>
-            <a:ext cx="704880" cy="704520"/>
+            <a:off x="-281160" y="-25920"/>
+            <a:ext cx="704520" cy="704160"/>
           </a:xfrm>
           <a:prstGeom prst="roundRect">
             <a:avLst>
@@ -13040,7 +13040,7 @@
         <p:spPr>
           <a:xfrm rot="2625600">
             <a:off x="4861080" y="4146840"/>
-            <a:ext cx="468720" cy="468720"/>
+            <a:ext cx="468360" cy="468360"/>
           </a:xfrm>
           <a:prstGeom prst="roundRect">
             <a:avLst>
@@ -13114,8 +13114,8 @@
         </p:nvSpPr>
         <p:spPr>
           <a:xfrm rot="2744400">
-            <a:off x="-350640" y="4540320"/>
-            <a:ext cx="704880" cy="704520"/>
+            <a:off x="-350280" y="4539960"/>
+            <a:ext cx="704520" cy="704160"/>
           </a:xfrm>
           <a:prstGeom prst="roundRect">
             <a:avLst>
@@ -13152,8 +13152,8 @@
         </p:nvSpPr>
         <p:spPr>
           <a:xfrm rot="19228200">
-            <a:off x="5846760" y="-2266920"/>
-            <a:ext cx="4855680" cy="7726680"/>
+            <a:off x="5846400" y="-2266560"/>
+            <a:ext cx="4855320" cy="7726320"/>
           </a:xfrm>
           <a:prstGeom prst="roundRect">
             <a:avLst>
@@ -13191,9 +13191,9 @@
         <p:grpSpPr>
           <a:xfrm>
             <a:off x="4571640" y="828000"/>
-            <a:ext cx="4468680" cy="3564720"/>
+            <a:ext cx="4468320" cy="3564360"/>
             <a:chOff x="4571640" y="828000"/>
-            <a:chExt cx="4468680" cy="3564720"/>
+            <a:chExt cx="4468320" cy="3564360"/>
           </a:xfrm>
         </p:grpSpPr>
         <p:pic>
@@ -13209,7 +13209,7 @@
           <p:spPr>
             <a:xfrm>
               <a:off x="4571640" y="828000"/>
-              <a:ext cx="4468680" cy="3564720"/>
+              <a:ext cx="4468320" cy="3564360"/>
             </a:xfrm>
             <a:prstGeom prst="rect">
               <a:avLst/>
@@ -13227,8 +13227,8 @@
           </p:nvSpPr>
           <p:spPr>
             <a:xfrm rot="16200000">
-              <a:off x="5962680" y="1158480"/>
-              <a:ext cx="1737720" cy="2771640"/>
+              <a:off x="5962680" y="1158840"/>
+              <a:ext cx="1737360" cy="2771280"/>
             </a:xfrm>
             <a:prstGeom prst="roundRect">
               <a:avLst>
@@ -13295,7 +13295,7 @@
         <p:spPr>
           <a:xfrm>
             <a:off x="586440" y="1246680"/>
-            <a:ext cx="4004640" cy="3600360"/>
+            <a:ext cx="4004280" cy="3600000"/>
           </a:xfrm>
           <a:prstGeom prst="rect">
             <a:avLst/>
@@ -13347,7 +13347,7 @@
         <p:spPr>
           <a:xfrm>
             <a:off x="5446080" y="1672200"/>
-            <a:ext cx="2780640" cy="1737720"/>
+            <a:ext cx="2780280" cy="1737360"/>
           </a:xfrm>
           <a:prstGeom prst="rect">
             <a:avLst/>
@@ -13399,7 +13399,7 @@
         <p:spPr>
           <a:xfrm>
             <a:off x="586440" y="453960"/>
-            <a:ext cx="3697200" cy="855720"/>
+            <a:ext cx="3696840" cy="855360"/>
           </a:xfrm>
           <a:prstGeom prst="rect">
             <a:avLst/>
@@ -13488,7 +13488,7 @@
         <p:spPr>
           <a:xfrm>
             <a:off x="4222080" y="1246680"/>
-            <a:ext cx="4115520" cy="3600360"/>
+            <a:ext cx="4115160" cy="3600000"/>
           </a:xfrm>
           <a:prstGeom prst="rect">
             <a:avLst/>
@@ -13539,8 +13539,8 @@
         </p:nvSpPr>
         <p:spPr>
           <a:xfrm rot="16200000">
-            <a:off x="-2181600" y="1733040"/>
-            <a:ext cx="5144400" cy="1684440"/>
+            <a:off x="-2181600" y="1733400"/>
+            <a:ext cx="5144040" cy="1684080"/>
           </a:xfrm>
           <a:prstGeom prst="roundRect">
             <a:avLst>
@@ -13577,8 +13577,8 @@
         </p:nvSpPr>
         <p:spPr>
           <a:xfrm rot="2745000">
-            <a:off x="8575200" y="104040"/>
-            <a:ext cx="1132920" cy="1132560"/>
+            <a:off x="8575200" y="103680"/>
+            <a:ext cx="1132560" cy="1132200"/>
           </a:xfrm>
           <a:prstGeom prst="roundRect">
             <a:avLst>
@@ -13615,8 +13615,8 @@
         </p:nvSpPr>
         <p:spPr>
           <a:xfrm rot="16200000">
-            <a:off x="614880" y="918360"/>
-            <a:ext cx="3232440" cy="3314160"/>
+            <a:off x="614880" y="918720"/>
+            <a:ext cx="3232080" cy="3313800"/>
           </a:xfrm>
           <a:prstGeom prst="roundRect">
             <a:avLst>
@@ -13682,7 +13682,7 @@
         <p:spPr>
           <a:xfrm>
             <a:off x="4214160" y="456120"/>
-            <a:ext cx="4112280" cy="855720"/>
+            <a:ext cx="4111920" cy="855360"/>
           </a:xfrm>
           <a:prstGeom prst="rect">
             <a:avLst/>
